--- a/Docs/Презентация ВКР.pptx
+++ b/Docs/Презентация ВКР.pptx
@@ -2,7 +2,7 @@
 <file path=ppt/presentation.xml><?xml version="1.0" encoding="utf-8"?>
 <p:presentation xmlns:a="http://schemas.openxmlformats.org/drawingml/2006/main" xmlns:r="http://schemas.openxmlformats.org/officeDocument/2006/relationships" xmlns:p="http://schemas.openxmlformats.org/presentationml/2006/main" saveSubsetFonts="1">
   <p:sldMasterIdLst>
-    <p:sldMasterId id="2147483660" r:id="rId1"/>
+    <p:sldMasterId id="2147483672" r:id="rId1"/>
   </p:sldMasterIdLst>
   <p:sldIdLst>
     <p:sldId id="256" r:id="rId2"/>
@@ -902,14 +902,14 @@
           <a:r>
             <a:rPr lang="ru-RU" b="1" dirty="0" smtClean="0">
               <a:solidFill>
-                <a:schemeClr val="bg1"/>
+                <a:schemeClr val="tx1"/>
               </a:solidFill>
             </a:rPr>
             <a:t>Консольное приложение для автоматизации</a:t>
           </a:r>
           <a:endParaRPr lang="ru-RU" b="1" dirty="0">
             <a:solidFill>
-              <a:schemeClr val="bg1"/>
+              <a:schemeClr val="tx1"/>
             </a:solidFill>
           </a:endParaRPr>
         </a:p>
@@ -959,14 +959,14 @@
           <a:r>
             <a:rPr lang="ru-RU" b="1" dirty="0" smtClean="0">
               <a:solidFill>
-                <a:schemeClr val="bg1"/>
+                <a:schemeClr val="tx1"/>
               </a:solidFill>
             </a:rPr>
             <a:t>Графическое приложение для конфигурации</a:t>
           </a:r>
           <a:endParaRPr lang="ru-RU" b="1" dirty="0">
             <a:solidFill>
-              <a:schemeClr val="bg1"/>
+              <a:schemeClr val="tx1"/>
             </a:solidFill>
           </a:endParaRPr>
         </a:p>
@@ -1016,7 +1016,7 @@
           <a:r>
             <a:rPr lang="en-US" b="1" dirty="0" smtClean="0">
               <a:solidFill>
-                <a:schemeClr val="bg1"/>
+                <a:schemeClr val="tx1"/>
               </a:solidFill>
             </a:rPr>
             <a:t>WEB-</a:t>
@@ -1024,14 +1024,14 @@
           <a:r>
             <a:rPr lang="ru-RU" b="1" dirty="0" smtClean="0">
               <a:solidFill>
-                <a:schemeClr val="bg1"/>
+                <a:schemeClr val="tx1"/>
               </a:solidFill>
             </a:rPr>
             <a:t>панель администратора</a:t>
           </a:r>
           <a:endParaRPr lang="ru-RU" b="1" dirty="0">
             <a:solidFill>
-              <a:schemeClr val="bg1"/>
+              <a:schemeClr val="tx1"/>
             </a:solidFill>
           </a:endParaRPr>
         </a:p>
@@ -1081,7 +1081,7 @@
           <a:r>
             <a:rPr lang="en-US" b="1" dirty="0" smtClean="0">
               <a:solidFill>
-                <a:schemeClr val="bg1"/>
+                <a:schemeClr val="tx1"/>
               </a:solidFill>
             </a:rPr>
             <a:t>WEB-</a:t>
@@ -1089,14 +1089,14 @@
           <a:r>
             <a:rPr lang="ru-RU" b="1" dirty="0" smtClean="0">
               <a:solidFill>
-                <a:schemeClr val="bg1"/>
+                <a:schemeClr val="tx1"/>
               </a:solidFill>
             </a:rPr>
             <a:t>сервис</a:t>
           </a:r>
           <a:endParaRPr lang="ru-RU" b="1" dirty="0">
             <a:solidFill>
-              <a:schemeClr val="bg1"/>
+              <a:schemeClr val="tx1"/>
             </a:solidFill>
           </a:endParaRPr>
         </a:p>
@@ -1146,14 +1146,14 @@
           <a:r>
             <a:rPr lang="ru-RU" b="1" dirty="0" smtClean="0">
               <a:solidFill>
-                <a:schemeClr val="bg1"/>
+                <a:schemeClr val="tx1"/>
               </a:solidFill>
             </a:rPr>
             <a:t>Мобильное приложение для конечного пользователя</a:t>
           </a:r>
           <a:endParaRPr lang="ru-RU" b="1" dirty="0">
             <a:solidFill>
-              <a:schemeClr val="bg1"/>
+              <a:schemeClr val="tx1"/>
             </a:solidFill>
           </a:endParaRPr>
         </a:p>
@@ -1469,14 +1469,14 @@
           <a:r>
             <a:rPr lang="ru-RU" sz="1600" b="1" kern="1200" dirty="0" smtClean="0">
               <a:solidFill>
-                <a:schemeClr val="bg1"/>
+                <a:schemeClr val="tx1"/>
               </a:solidFill>
             </a:rPr>
             <a:t>Консольное приложение для автоматизации</a:t>
           </a:r>
           <a:endParaRPr lang="ru-RU" sz="1600" b="1" kern="1200" dirty="0">
             <a:solidFill>
-              <a:schemeClr val="bg1"/>
+              <a:schemeClr val="tx1"/>
             </a:solidFill>
           </a:endParaRPr>
         </a:p>
@@ -1598,14 +1598,14 @@
           <a:r>
             <a:rPr lang="ru-RU" sz="1600" b="1" kern="1200" dirty="0" smtClean="0">
               <a:solidFill>
-                <a:schemeClr val="bg1"/>
+                <a:schemeClr val="tx1"/>
               </a:solidFill>
             </a:rPr>
             <a:t>Графическое приложение для конфигурации</a:t>
           </a:r>
           <a:endParaRPr lang="ru-RU" sz="1600" b="1" kern="1200" dirty="0">
             <a:solidFill>
-              <a:schemeClr val="bg1"/>
+              <a:schemeClr val="tx1"/>
             </a:solidFill>
           </a:endParaRPr>
         </a:p>
@@ -1727,7 +1727,7 @@
           <a:r>
             <a:rPr lang="en-US" sz="1600" b="1" kern="1200" dirty="0" smtClean="0">
               <a:solidFill>
-                <a:schemeClr val="bg1"/>
+                <a:schemeClr val="tx1"/>
               </a:solidFill>
             </a:rPr>
             <a:t>WEB-</a:t>
@@ -1735,14 +1735,14 @@
           <a:r>
             <a:rPr lang="ru-RU" sz="1600" b="1" kern="1200" dirty="0" smtClean="0">
               <a:solidFill>
-                <a:schemeClr val="bg1"/>
+                <a:schemeClr val="tx1"/>
               </a:solidFill>
             </a:rPr>
             <a:t>панель администратора</a:t>
           </a:r>
           <a:endParaRPr lang="ru-RU" sz="1600" b="1" kern="1200" dirty="0">
             <a:solidFill>
-              <a:schemeClr val="bg1"/>
+              <a:schemeClr val="tx1"/>
             </a:solidFill>
           </a:endParaRPr>
         </a:p>
@@ -1864,7 +1864,7 @@
           <a:r>
             <a:rPr lang="en-US" sz="1600" b="1" kern="1200" dirty="0" smtClean="0">
               <a:solidFill>
-                <a:schemeClr val="bg1"/>
+                <a:schemeClr val="tx1"/>
               </a:solidFill>
             </a:rPr>
             <a:t>WEB-</a:t>
@@ -1872,14 +1872,14 @@
           <a:r>
             <a:rPr lang="ru-RU" sz="1600" b="1" kern="1200" dirty="0" smtClean="0">
               <a:solidFill>
-                <a:schemeClr val="bg1"/>
+                <a:schemeClr val="tx1"/>
               </a:solidFill>
             </a:rPr>
             <a:t>сервис</a:t>
           </a:r>
           <a:endParaRPr lang="ru-RU" sz="1600" b="1" kern="1200" dirty="0">
             <a:solidFill>
-              <a:schemeClr val="bg1"/>
+              <a:schemeClr val="tx1"/>
             </a:solidFill>
           </a:endParaRPr>
         </a:p>
@@ -2001,14 +2001,14 @@
           <a:r>
             <a:rPr lang="ru-RU" sz="1600" b="1" kern="1200" dirty="0" smtClean="0">
               <a:solidFill>
-                <a:schemeClr val="bg1"/>
+                <a:schemeClr val="tx1"/>
               </a:solidFill>
             </a:rPr>
             <a:t>Мобильное приложение для конечного пользователя</a:t>
           </a:r>
           <a:endParaRPr lang="ru-RU" sz="1600" b="1" kern="1200" dirty="0">
             <a:solidFill>
-              <a:schemeClr val="bg1"/>
+              <a:schemeClr val="tx1"/>
             </a:solidFill>
           </a:endParaRPr>
         </a:p>
@@ -3332,7 +3332,7 @@
       </p:grpSpPr>
       <p:sp>
         <p:nvSpPr>
-          <p:cNvPr id="2" name="Title 1"/>
+          <p:cNvPr id="2" name="Заголовок 1"/>
           <p:cNvSpPr>
             <a:spLocks noGrp="1"/>
           </p:cNvSpPr>
@@ -3358,13 +3358,13 @@
               <a:rPr lang="ru-RU" smtClean="0"/>
               <a:t>Образец заголовка</a:t>
             </a:r>
-            <a:endParaRPr lang="en-US" dirty="0"/>
+            <a:endParaRPr lang="ru-RU"/>
           </a:p>
         </p:txBody>
       </p:sp>
       <p:sp>
         <p:nvSpPr>
-          <p:cNvPr id="3" name="Subtitle 2"/>
+          <p:cNvPr id="3" name="Подзаголовок 2"/>
           <p:cNvSpPr>
             <a:spLocks noGrp="1"/>
           </p:cNvSpPr>
@@ -3423,13 +3423,13 @@
               <a:rPr lang="ru-RU" smtClean="0"/>
               <a:t>Образец подзаголовка</a:t>
             </a:r>
-            <a:endParaRPr lang="en-US" dirty="0"/>
+            <a:endParaRPr lang="ru-RU"/>
           </a:p>
         </p:txBody>
       </p:sp>
       <p:sp>
         <p:nvSpPr>
-          <p:cNvPr id="4" name="Date Placeholder 3"/>
+          <p:cNvPr id="4" name="Дата 3"/>
           <p:cNvSpPr>
             <a:spLocks noGrp="1"/>
           </p:cNvSpPr>
@@ -3444,7 +3444,7 @@
           <a:p>
             <a:fld id="{3D39AE6E-ADE3-4A7F-92FC-ED79DED4FC44}" type="datetimeFigureOut">
               <a:rPr lang="ru-RU" smtClean="0"/>
-              <a:t>28.05.2020</a:t>
+              <a:t>02.06.2020</a:t>
             </a:fld>
             <a:endParaRPr lang="ru-RU"/>
           </a:p>
@@ -3452,7 +3452,7 @@
       </p:sp>
       <p:sp>
         <p:nvSpPr>
-          <p:cNvPr id="5" name="Footer Placeholder 4"/>
+          <p:cNvPr id="5" name="Нижний колонтитул 4"/>
           <p:cNvSpPr>
             <a:spLocks noGrp="1"/>
           </p:cNvSpPr>
@@ -3471,7 +3471,7 @@
       </p:sp>
       <p:sp>
         <p:nvSpPr>
-          <p:cNvPr id="6" name="Slide Number Placeholder 5"/>
+          <p:cNvPr id="6" name="Номер слайда 5"/>
           <p:cNvSpPr>
             <a:spLocks noGrp="1"/>
           </p:cNvSpPr>
@@ -3495,7 +3495,7 @@
     </p:spTree>
     <p:extLst>
       <p:ext uri="{BB962C8B-B14F-4D97-AF65-F5344CB8AC3E}">
-        <p14:creationId xmlns:p14="http://schemas.microsoft.com/office/powerpoint/2010/main" val="1552973110"/>
+        <p14:creationId xmlns:p14="http://schemas.microsoft.com/office/powerpoint/2010/main" val="2570608201"/>
       </p:ext>
     </p:extLst>
   </p:cSld>
@@ -3524,7 +3524,7 @@
       </p:grpSpPr>
       <p:sp>
         <p:nvSpPr>
-          <p:cNvPr id="2" name="Title 1"/>
+          <p:cNvPr id="2" name="Заголовок 1"/>
           <p:cNvSpPr>
             <a:spLocks noGrp="1"/>
           </p:cNvSpPr>
@@ -3541,13 +3541,13 @@
               <a:rPr lang="ru-RU" smtClean="0"/>
               <a:t>Образец заголовка</a:t>
             </a:r>
-            <a:endParaRPr lang="en-US" dirty="0"/>
+            <a:endParaRPr lang="ru-RU"/>
           </a:p>
         </p:txBody>
       </p:sp>
       <p:sp>
         <p:nvSpPr>
-          <p:cNvPr id="3" name="Vertical Text Placeholder 2"/>
+          <p:cNvPr id="3" name="Вертикальный текст 2"/>
           <p:cNvSpPr>
             <a:spLocks noGrp="1"/>
           </p:cNvSpPr>
@@ -3593,13 +3593,13 @@
               <a:rPr lang="ru-RU" smtClean="0"/>
               <a:t>Пятый уровень</a:t>
             </a:r>
-            <a:endParaRPr lang="en-US" dirty="0"/>
+            <a:endParaRPr lang="ru-RU"/>
           </a:p>
         </p:txBody>
       </p:sp>
       <p:sp>
         <p:nvSpPr>
-          <p:cNvPr id="4" name="Date Placeholder 3"/>
+          <p:cNvPr id="4" name="Дата 3"/>
           <p:cNvSpPr>
             <a:spLocks noGrp="1"/>
           </p:cNvSpPr>
@@ -3614,7 +3614,7 @@
           <a:p>
             <a:fld id="{3D39AE6E-ADE3-4A7F-92FC-ED79DED4FC44}" type="datetimeFigureOut">
               <a:rPr lang="ru-RU" smtClean="0"/>
-              <a:t>28.05.2020</a:t>
+              <a:t>02.06.2020</a:t>
             </a:fld>
             <a:endParaRPr lang="ru-RU"/>
           </a:p>
@@ -3622,7 +3622,7 @@
       </p:sp>
       <p:sp>
         <p:nvSpPr>
-          <p:cNvPr id="5" name="Footer Placeholder 4"/>
+          <p:cNvPr id="5" name="Нижний колонтитул 4"/>
           <p:cNvSpPr>
             <a:spLocks noGrp="1"/>
           </p:cNvSpPr>
@@ -3641,7 +3641,7 @@
       </p:sp>
       <p:sp>
         <p:nvSpPr>
-          <p:cNvPr id="6" name="Slide Number Placeholder 5"/>
+          <p:cNvPr id="6" name="Номер слайда 5"/>
           <p:cNvSpPr>
             <a:spLocks noGrp="1"/>
           </p:cNvSpPr>
@@ -3665,7 +3665,7 @@
     </p:spTree>
     <p:extLst>
       <p:ext uri="{BB962C8B-B14F-4D97-AF65-F5344CB8AC3E}">
-        <p14:creationId xmlns:p14="http://schemas.microsoft.com/office/powerpoint/2010/main" val="4241171256"/>
+        <p14:creationId xmlns:p14="http://schemas.microsoft.com/office/powerpoint/2010/main" val="3366608404"/>
       </p:ext>
     </p:extLst>
   </p:cSld>
@@ -3694,7 +3694,7 @@
       </p:grpSpPr>
       <p:sp>
         <p:nvSpPr>
-          <p:cNvPr id="2" name="Vertical Title 1"/>
+          <p:cNvPr id="2" name="Вертикальный заголовок 1"/>
           <p:cNvSpPr>
             <a:spLocks noGrp="1"/>
           </p:cNvSpPr>
@@ -3716,13 +3716,13 @@
               <a:rPr lang="ru-RU" smtClean="0"/>
               <a:t>Образец заголовка</a:t>
             </a:r>
-            <a:endParaRPr lang="en-US" dirty="0"/>
+            <a:endParaRPr lang="ru-RU"/>
           </a:p>
         </p:txBody>
       </p:sp>
       <p:sp>
         <p:nvSpPr>
-          <p:cNvPr id="3" name="Vertical Text Placeholder 2"/>
+          <p:cNvPr id="3" name="Вертикальный текст 2"/>
           <p:cNvSpPr>
             <a:spLocks noGrp="1"/>
           </p:cNvSpPr>
@@ -3773,13 +3773,13 @@
               <a:rPr lang="ru-RU" smtClean="0"/>
               <a:t>Пятый уровень</a:t>
             </a:r>
-            <a:endParaRPr lang="en-US" dirty="0"/>
+            <a:endParaRPr lang="ru-RU"/>
           </a:p>
         </p:txBody>
       </p:sp>
       <p:sp>
         <p:nvSpPr>
-          <p:cNvPr id="4" name="Date Placeholder 3"/>
+          <p:cNvPr id="4" name="Дата 3"/>
           <p:cNvSpPr>
             <a:spLocks noGrp="1"/>
           </p:cNvSpPr>
@@ -3794,7 +3794,7 @@
           <a:p>
             <a:fld id="{3D39AE6E-ADE3-4A7F-92FC-ED79DED4FC44}" type="datetimeFigureOut">
               <a:rPr lang="ru-RU" smtClean="0"/>
-              <a:t>28.05.2020</a:t>
+              <a:t>02.06.2020</a:t>
             </a:fld>
             <a:endParaRPr lang="ru-RU"/>
           </a:p>
@@ -3802,7 +3802,7 @@
       </p:sp>
       <p:sp>
         <p:nvSpPr>
-          <p:cNvPr id="5" name="Footer Placeholder 4"/>
+          <p:cNvPr id="5" name="Нижний колонтитул 4"/>
           <p:cNvSpPr>
             <a:spLocks noGrp="1"/>
           </p:cNvSpPr>
@@ -3821,7 +3821,7 @@
       </p:sp>
       <p:sp>
         <p:nvSpPr>
-          <p:cNvPr id="6" name="Slide Number Placeholder 5"/>
+          <p:cNvPr id="6" name="Номер слайда 5"/>
           <p:cNvSpPr>
             <a:spLocks noGrp="1"/>
           </p:cNvSpPr>
@@ -3845,7 +3845,7 @@
     </p:spTree>
     <p:extLst>
       <p:ext uri="{BB962C8B-B14F-4D97-AF65-F5344CB8AC3E}">
-        <p14:creationId xmlns:p14="http://schemas.microsoft.com/office/powerpoint/2010/main" val="2719022988"/>
+        <p14:creationId xmlns:p14="http://schemas.microsoft.com/office/powerpoint/2010/main" val="3921462512"/>
       </p:ext>
     </p:extLst>
   </p:cSld>
@@ -3874,7 +3874,7 @@
       </p:grpSpPr>
       <p:sp>
         <p:nvSpPr>
-          <p:cNvPr id="2" name="Title 1"/>
+          <p:cNvPr id="2" name="Заголовок 1"/>
           <p:cNvSpPr>
             <a:spLocks noGrp="1"/>
           </p:cNvSpPr>
@@ -3891,13 +3891,13 @@
               <a:rPr lang="ru-RU" smtClean="0"/>
               <a:t>Образец заголовка</a:t>
             </a:r>
-            <a:endParaRPr lang="en-US" dirty="0"/>
+            <a:endParaRPr lang="ru-RU"/>
           </a:p>
         </p:txBody>
       </p:sp>
       <p:sp>
         <p:nvSpPr>
-          <p:cNvPr id="3" name="Content Placeholder 2"/>
+          <p:cNvPr id="3" name="Объект 2"/>
           <p:cNvSpPr>
             <a:spLocks noGrp="1"/>
           </p:cNvSpPr>
@@ -3943,13 +3943,13 @@
               <a:rPr lang="ru-RU" smtClean="0"/>
               <a:t>Пятый уровень</a:t>
             </a:r>
-            <a:endParaRPr lang="en-US" dirty="0"/>
+            <a:endParaRPr lang="ru-RU"/>
           </a:p>
         </p:txBody>
       </p:sp>
       <p:sp>
         <p:nvSpPr>
-          <p:cNvPr id="4" name="Date Placeholder 3"/>
+          <p:cNvPr id="4" name="Дата 3"/>
           <p:cNvSpPr>
             <a:spLocks noGrp="1"/>
           </p:cNvSpPr>
@@ -3964,7 +3964,7 @@
           <a:p>
             <a:fld id="{3D39AE6E-ADE3-4A7F-92FC-ED79DED4FC44}" type="datetimeFigureOut">
               <a:rPr lang="ru-RU" smtClean="0"/>
-              <a:t>28.05.2020</a:t>
+              <a:t>02.06.2020</a:t>
             </a:fld>
             <a:endParaRPr lang="ru-RU"/>
           </a:p>
@@ -3972,7 +3972,7 @@
       </p:sp>
       <p:sp>
         <p:nvSpPr>
-          <p:cNvPr id="5" name="Footer Placeholder 4"/>
+          <p:cNvPr id="5" name="Нижний колонтитул 4"/>
           <p:cNvSpPr>
             <a:spLocks noGrp="1"/>
           </p:cNvSpPr>
@@ -3991,7 +3991,7 @@
       </p:sp>
       <p:sp>
         <p:nvSpPr>
-          <p:cNvPr id="6" name="Slide Number Placeholder 5"/>
+          <p:cNvPr id="6" name="Номер слайда 5"/>
           <p:cNvSpPr>
             <a:spLocks noGrp="1"/>
           </p:cNvSpPr>
@@ -4015,7 +4015,7 @@
     </p:spTree>
     <p:extLst>
       <p:ext uri="{BB962C8B-B14F-4D97-AF65-F5344CB8AC3E}">
-        <p14:creationId xmlns:p14="http://schemas.microsoft.com/office/powerpoint/2010/main" val="2766224363"/>
+        <p14:creationId xmlns:p14="http://schemas.microsoft.com/office/powerpoint/2010/main" val="3022285267"/>
       </p:ext>
     </p:extLst>
   </p:cSld>
@@ -4044,7 +4044,7 @@
       </p:grpSpPr>
       <p:sp>
         <p:nvSpPr>
-          <p:cNvPr id="2" name="Title 1"/>
+          <p:cNvPr id="2" name="Заголовок 1"/>
           <p:cNvSpPr>
             <a:spLocks noGrp="1"/>
           </p:cNvSpPr>
@@ -4070,13 +4070,13 @@
               <a:rPr lang="ru-RU" smtClean="0"/>
               <a:t>Образец заголовка</a:t>
             </a:r>
-            <a:endParaRPr lang="en-US" dirty="0"/>
+            <a:endParaRPr lang="ru-RU"/>
           </a:p>
         </p:txBody>
       </p:sp>
       <p:sp>
         <p:nvSpPr>
-          <p:cNvPr id="3" name="Text Placeholder 2"/>
+          <p:cNvPr id="3" name="Текст 2"/>
           <p:cNvSpPr>
             <a:spLocks noGrp="1"/>
           </p:cNvSpPr>
@@ -4195,7 +4195,7 @@
       </p:sp>
       <p:sp>
         <p:nvSpPr>
-          <p:cNvPr id="4" name="Date Placeholder 3"/>
+          <p:cNvPr id="4" name="Дата 3"/>
           <p:cNvSpPr>
             <a:spLocks noGrp="1"/>
           </p:cNvSpPr>
@@ -4210,7 +4210,7 @@
           <a:p>
             <a:fld id="{3D39AE6E-ADE3-4A7F-92FC-ED79DED4FC44}" type="datetimeFigureOut">
               <a:rPr lang="ru-RU" smtClean="0"/>
-              <a:t>28.05.2020</a:t>
+              <a:t>02.06.2020</a:t>
             </a:fld>
             <a:endParaRPr lang="ru-RU"/>
           </a:p>
@@ -4218,7 +4218,7 @@
       </p:sp>
       <p:sp>
         <p:nvSpPr>
-          <p:cNvPr id="5" name="Footer Placeholder 4"/>
+          <p:cNvPr id="5" name="Нижний колонтитул 4"/>
           <p:cNvSpPr>
             <a:spLocks noGrp="1"/>
           </p:cNvSpPr>
@@ -4237,7 +4237,7 @@
       </p:sp>
       <p:sp>
         <p:nvSpPr>
-          <p:cNvPr id="6" name="Slide Number Placeholder 5"/>
+          <p:cNvPr id="6" name="Номер слайда 5"/>
           <p:cNvSpPr>
             <a:spLocks noGrp="1"/>
           </p:cNvSpPr>
@@ -4261,7 +4261,7 @@
     </p:spTree>
     <p:extLst>
       <p:ext uri="{BB962C8B-B14F-4D97-AF65-F5344CB8AC3E}">
-        <p14:creationId xmlns:p14="http://schemas.microsoft.com/office/powerpoint/2010/main" val="962619513"/>
+        <p14:creationId xmlns:p14="http://schemas.microsoft.com/office/powerpoint/2010/main" val="1764503484"/>
       </p:ext>
     </p:extLst>
   </p:cSld>
@@ -4290,7 +4290,7 @@
       </p:grpSpPr>
       <p:sp>
         <p:nvSpPr>
-          <p:cNvPr id="2" name="Title 1"/>
+          <p:cNvPr id="2" name="Заголовок 1"/>
           <p:cNvSpPr>
             <a:spLocks noGrp="1"/>
           </p:cNvSpPr>
@@ -4307,13 +4307,13 @@
               <a:rPr lang="ru-RU" smtClean="0"/>
               <a:t>Образец заголовка</a:t>
             </a:r>
-            <a:endParaRPr lang="en-US" dirty="0"/>
+            <a:endParaRPr lang="ru-RU"/>
           </a:p>
         </p:txBody>
       </p:sp>
       <p:sp>
         <p:nvSpPr>
-          <p:cNvPr id="3" name="Content Placeholder 2"/>
+          <p:cNvPr id="3" name="Объект 2"/>
           <p:cNvSpPr>
             <a:spLocks noGrp="1"/>
           </p:cNvSpPr>
@@ -4364,13 +4364,13 @@
               <a:rPr lang="ru-RU" smtClean="0"/>
               <a:t>Пятый уровень</a:t>
             </a:r>
-            <a:endParaRPr lang="en-US" dirty="0"/>
+            <a:endParaRPr lang="ru-RU"/>
           </a:p>
         </p:txBody>
       </p:sp>
       <p:sp>
         <p:nvSpPr>
-          <p:cNvPr id="4" name="Content Placeholder 3"/>
+          <p:cNvPr id="4" name="Объект 3"/>
           <p:cNvSpPr>
             <a:spLocks noGrp="1"/>
           </p:cNvSpPr>
@@ -4421,13 +4421,13 @@
               <a:rPr lang="ru-RU" smtClean="0"/>
               <a:t>Пятый уровень</a:t>
             </a:r>
-            <a:endParaRPr lang="en-US" dirty="0"/>
+            <a:endParaRPr lang="ru-RU"/>
           </a:p>
         </p:txBody>
       </p:sp>
       <p:sp>
         <p:nvSpPr>
-          <p:cNvPr id="5" name="Date Placeholder 4"/>
+          <p:cNvPr id="5" name="Дата 4"/>
           <p:cNvSpPr>
             <a:spLocks noGrp="1"/>
           </p:cNvSpPr>
@@ -4442,7 +4442,7 @@
           <a:p>
             <a:fld id="{3D39AE6E-ADE3-4A7F-92FC-ED79DED4FC44}" type="datetimeFigureOut">
               <a:rPr lang="ru-RU" smtClean="0"/>
-              <a:t>28.05.2020</a:t>
+              <a:t>02.06.2020</a:t>
             </a:fld>
             <a:endParaRPr lang="ru-RU"/>
           </a:p>
@@ -4450,7 +4450,7 @@
       </p:sp>
       <p:sp>
         <p:nvSpPr>
-          <p:cNvPr id="6" name="Footer Placeholder 5"/>
+          <p:cNvPr id="6" name="Нижний колонтитул 5"/>
           <p:cNvSpPr>
             <a:spLocks noGrp="1"/>
           </p:cNvSpPr>
@@ -4469,7 +4469,7 @@
       </p:sp>
       <p:sp>
         <p:nvSpPr>
-          <p:cNvPr id="7" name="Slide Number Placeholder 6"/>
+          <p:cNvPr id="7" name="Номер слайда 6"/>
           <p:cNvSpPr>
             <a:spLocks noGrp="1"/>
           </p:cNvSpPr>
@@ -4493,7 +4493,7 @@
     </p:spTree>
     <p:extLst>
       <p:ext uri="{BB962C8B-B14F-4D97-AF65-F5344CB8AC3E}">
-        <p14:creationId xmlns:p14="http://schemas.microsoft.com/office/powerpoint/2010/main" val="2336299852"/>
+        <p14:creationId xmlns:p14="http://schemas.microsoft.com/office/powerpoint/2010/main" val="2065559731"/>
       </p:ext>
     </p:extLst>
   </p:cSld>
@@ -4522,7 +4522,7 @@
       </p:grpSpPr>
       <p:sp>
         <p:nvSpPr>
-          <p:cNvPr id="2" name="Title 1"/>
+          <p:cNvPr id="2" name="Заголовок 1"/>
           <p:cNvSpPr>
             <a:spLocks noGrp="1"/>
           </p:cNvSpPr>
@@ -4544,13 +4544,13 @@
               <a:rPr lang="ru-RU" smtClean="0"/>
               <a:t>Образец заголовка</a:t>
             </a:r>
-            <a:endParaRPr lang="en-US" dirty="0"/>
+            <a:endParaRPr lang="ru-RU"/>
           </a:p>
         </p:txBody>
       </p:sp>
       <p:sp>
         <p:nvSpPr>
-          <p:cNvPr id="3" name="Text Placeholder 2"/>
+          <p:cNvPr id="3" name="Текст 2"/>
           <p:cNvSpPr>
             <a:spLocks noGrp="1"/>
           </p:cNvSpPr>
@@ -4615,7 +4615,7 @@
       </p:sp>
       <p:sp>
         <p:nvSpPr>
-          <p:cNvPr id="4" name="Content Placeholder 3"/>
+          <p:cNvPr id="4" name="Объект 3"/>
           <p:cNvSpPr>
             <a:spLocks noGrp="1"/>
           </p:cNvSpPr>
@@ -4666,13 +4666,13 @@
               <a:rPr lang="ru-RU" smtClean="0"/>
               <a:t>Пятый уровень</a:t>
             </a:r>
-            <a:endParaRPr lang="en-US" dirty="0"/>
+            <a:endParaRPr lang="ru-RU"/>
           </a:p>
         </p:txBody>
       </p:sp>
       <p:sp>
         <p:nvSpPr>
-          <p:cNvPr id="5" name="Text Placeholder 4"/>
+          <p:cNvPr id="5" name="Текст 4"/>
           <p:cNvSpPr>
             <a:spLocks noGrp="1"/>
           </p:cNvSpPr>
@@ -4737,7 +4737,7 @@
       </p:sp>
       <p:sp>
         <p:nvSpPr>
-          <p:cNvPr id="6" name="Content Placeholder 5"/>
+          <p:cNvPr id="6" name="Объект 5"/>
           <p:cNvSpPr>
             <a:spLocks noGrp="1"/>
           </p:cNvSpPr>
@@ -4788,13 +4788,13 @@
               <a:rPr lang="ru-RU" smtClean="0"/>
               <a:t>Пятый уровень</a:t>
             </a:r>
-            <a:endParaRPr lang="en-US" dirty="0"/>
+            <a:endParaRPr lang="ru-RU"/>
           </a:p>
         </p:txBody>
       </p:sp>
       <p:sp>
         <p:nvSpPr>
-          <p:cNvPr id="7" name="Date Placeholder 6"/>
+          <p:cNvPr id="7" name="Дата 6"/>
           <p:cNvSpPr>
             <a:spLocks noGrp="1"/>
           </p:cNvSpPr>
@@ -4809,7 +4809,7 @@
           <a:p>
             <a:fld id="{3D39AE6E-ADE3-4A7F-92FC-ED79DED4FC44}" type="datetimeFigureOut">
               <a:rPr lang="ru-RU" smtClean="0"/>
-              <a:t>28.05.2020</a:t>
+              <a:t>02.06.2020</a:t>
             </a:fld>
             <a:endParaRPr lang="ru-RU"/>
           </a:p>
@@ -4817,7 +4817,7 @@
       </p:sp>
       <p:sp>
         <p:nvSpPr>
-          <p:cNvPr id="8" name="Footer Placeholder 7"/>
+          <p:cNvPr id="8" name="Нижний колонтитул 7"/>
           <p:cNvSpPr>
             <a:spLocks noGrp="1"/>
           </p:cNvSpPr>
@@ -4836,7 +4836,7 @@
       </p:sp>
       <p:sp>
         <p:nvSpPr>
-          <p:cNvPr id="9" name="Slide Number Placeholder 8"/>
+          <p:cNvPr id="9" name="Номер слайда 8"/>
           <p:cNvSpPr>
             <a:spLocks noGrp="1"/>
           </p:cNvSpPr>
@@ -4860,7 +4860,7 @@
     </p:spTree>
     <p:extLst>
       <p:ext uri="{BB962C8B-B14F-4D97-AF65-F5344CB8AC3E}">
-        <p14:creationId xmlns:p14="http://schemas.microsoft.com/office/powerpoint/2010/main" val="74762390"/>
+        <p14:creationId xmlns:p14="http://schemas.microsoft.com/office/powerpoint/2010/main" val="1651931994"/>
       </p:ext>
     </p:extLst>
   </p:cSld>
@@ -4889,7 +4889,7 @@
       </p:grpSpPr>
       <p:sp>
         <p:nvSpPr>
-          <p:cNvPr id="2" name="Title 1"/>
+          <p:cNvPr id="2" name="Заголовок 1"/>
           <p:cNvSpPr>
             <a:spLocks noGrp="1"/>
           </p:cNvSpPr>
@@ -4906,13 +4906,13 @@
               <a:rPr lang="ru-RU" smtClean="0"/>
               <a:t>Образец заголовка</a:t>
             </a:r>
-            <a:endParaRPr lang="en-US" dirty="0"/>
+            <a:endParaRPr lang="ru-RU"/>
           </a:p>
         </p:txBody>
       </p:sp>
       <p:sp>
         <p:nvSpPr>
-          <p:cNvPr id="3" name="Date Placeholder 2"/>
+          <p:cNvPr id="3" name="Дата 2"/>
           <p:cNvSpPr>
             <a:spLocks noGrp="1"/>
           </p:cNvSpPr>
@@ -4927,7 +4927,7 @@
           <a:p>
             <a:fld id="{3D39AE6E-ADE3-4A7F-92FC-ED79DED4FC44}" type="datetimeFigureOut">
               <a:rPr lang="ru-RU" smtClean="0"/>
-              <a:t>28.05.2020</a:t>
+              <a:t>02.06.2020</a:t>
             </a:fld>
             <a:endParaRPr lang="ru-RU"/>
           </a:p>
@@ -4935,7 +4935,7 @@
       </p:sp>
       <p:sp>
         <p:nvSpPr>
-          <p:cNvPr id="4" name="Footer Placeholder 3"/>
+          <p:cNvPr id="4" name="Нижний колонтитул 3"/>
           <p:cNvSpPr>
             <a:spLocks noGrp="1"/>
           </p:cNvSpPr>
@@ -4954,7 +4954,7 @@
       </p:sp>
       <p:sp>
         <p:nvSpPr>
-          <p:cNvPr id="5" name="Slide Number Placeholder 4"/>
+          <p:cNvPr id="5" name="Номер слайда 4"/>
           <p:cNvSpPr>
             <a:spLocks noGrp="1"/>
           </p:cNvSpPr>
@@ -4978,7 +4978,7 @@
     </p:spTree>
     <p:extLst>
       <p:ext uri="{BB962C8B-B14F-4D97-AF65-F5344CB8AC3E}">
-        <p14:creationId xmlns:p14="http://schemas.microsoft.com/office/powerpoint/2010/main" val="902339774"/>
+        <p14:creationId xmlns:p14="http://schemas.microsoft.com/office/powerpoint/2010/main" val="2274215621"/>
       </p:ext>
     </p:extLst>
   </p:cSld>
@@ -5007,7 +5007,7 @@
       </p:grpSpPr>
       <p:sp>
         <p:nvSpPr>
-          <p:cNvPr id="2" name="Date Placeholder 1"/>
+          <p:cNvPr id="2" name="Дата 1"/>
           <p:cNvSpPr>
             <a:spLocks noGrp="1"/>
           </p:cNvSpPr>
@@ -5022,7 +5022,7 @@
           <a:p>
             <a:fld id="{3D39AE6E-ADE3-4A7F-92FC-ED79DED4FC44}" type="datetimeFigureOut">
               <a:rPr lang="ru-RU" smtClean="0"/>
-              <a:t>28.05.2020</a:t>
+              <a:t>02.06.2020</a:t>
             </a:fld>
             <a:endParaRPr lang="ru-RU"/>
           </a:p>
@@ -5030,7 +5030,7 @@
       </p:sp>
       <p:sp>
         <p:nvSpPr>
-          <p:cNvPr id="3" name="Footer Placeholder 2"/>
+          <p:cNvPr id="3" name="Нижний колонтитул 2"/>
           <p:cNvSpPr>
             <a:spLocks noGrp="1"/>
           </p:cNvSpPr>
@@ -5049,7 +5049,7 @@
       </p:sp>
       <p:sp>
         <p:nvSpPr>
-          <p:cNvPr id="4" name="Slide Number Placeholder 3"/>
+          <p:cNvPr id="4" name="Номер слайда 3"/>
           <p:cNvSpPr>
             <a:spLocks noGrp="1"/>
           </p:cNvSpPr>
@@ -5073,7 +5073,7 @@
     </p:spTree>
     <p:extLst>
       <p:ext uri="{BB962C8B-B14F-4D97-AF65-F5344CB8AC3E}">
-        <p14:creationId xmlns:p14="http://schemas.microsoft.com/office/powerpoint/2010/main" val="4024225890"/>
+        <p14:creationId xmlns:p14="http://schemas.microsoft.com/office/powerpoint/2010/main" val="1888745537"/>
       </p:ext>
     </p:extLst>
   </p:cSld>
@@ -5102,7 +5102,7 @@
       </p:grpSpPr>
       <p:sp>
         <p:nvSpPr>
-          <p:cNvPr id="2" name="Title 1"/>
+          <p:cNvPr id="2" name="Заголовок 1"/>
           <p:cNvSpPr>
             <a:spLocks noGrp="1"/>
           </p:cNvSpPr>
@@ -5128,13 +5128,13 @@
               <a:rPr lang="ru-RU" smtClean="0"/>
               <a:t>Образец заголовка</a:t>
             </a:r>
-            <a:endParaRPr lang="en-US" dirty="0"/>
+            <a:endParaRPr lang="ru-RU"/>
           </a:p>
         </p:txBody>
       </p:sp>
       <p:sp>
         <p:nvSpPr>
-          <p:cNvPr id="3" name="Content Placeholder 2"/>
+          <p:cNvPr id="3" name="Объект 2"/>
           <p:cNvSpPr>
             <a:spLocks noGrp="1"/>
           </p:cNvSpPr>
@@ -5213,13 +5213,13 @@
               <a:rPr lang="ru-RU" smtClean="0"/>
               <a:t>Пятый уровень</a:t>
             </a:r>
-            <a:endParaRPr lang="en-US" dirty="0"/>
+            <a:endParaRPr lang="ru-RU"/>
           </a:p>
         </p:txBody>
       </p:sp>
       <p:sp>
         <p:nvSpPr>
-          <p:cNvPr id="4" name="Text Placeholder 3"/>
+          <p:cNvPr id="4" name="Текст 3"/>
           <p:cNvSpPr>
             <a:spLocks noGrp="1"/>
           </p:cNvSpPr>
@@ -5284,7 +5284,7 @@
       </p:sp>
       <p:sp>
         <p:nvSpPr>
-          <p:cNvPr id="5" name="Date Placeholder 4"/>
+          <p:cNvPr id="5" name="Дата 4"/>
           <p:cNvSpPr>
             <a:spLocks noGrp="1"/>
           </p:cNvSpPr>
@@ -5299,7 +5299,7 @@
           <a:p>
             <a:fld id="{3D39AE6E-ADE3-4A7F-92FC-ED79DED4FC44}" type="datetimeFigureOut">
               <a:rPr lang="ru-RU" smtClean="0"/>
-              <a:t>28.05.2020</a:t>
+              <a:t>02.06.2020</a:t>
             </a:fld>
             <a:endParaRPr lang="ru-RU"/>
           </a:p>
@@ -5307,7 +5307,7 @@
       </p:sp>
       <p:sp>
         <p:nvSpPr>
-          <p:cNvPr id="6" name="Footer Placeholder 5"/>
+          <p:cNvPr id="6" name="Нижний колонтитул 5"/>
           <p:cNvSpPr>
             <a:spLocks noGrp="1"/>
           </p:cNvSpPr>
@@ -5326,7 +5326,7 @@
       </p:sp>
       <p:sp>
         <p:nvSpPr>
-          <p:cNvPr id="7" name="Slide Number Placeholder 6"/>
+          <p:cNvPr id="7" name="Номер слайда 6"/>
           <p:cNvSpPr>
             <a:spLocks noGrp="1"/>
           </p:cNvSpPr>
@@ -5350,7 +5350,7 @@
     </p:spTree>
     <p:extLst>
       <p:ext uri="{BB962C8B-B14F-4D97-AF65-F5344CB8AC3E}">
-        <p14:creationId xmlns:p14="http://schemas.microsoft.com/office/powerpoint/2010/main" val="984813455"/>
+        <p14:creationId xmlns:p14="http://schemas.microsoft.com/office/powerpoint/2010/main" val="4023068550"/>
       </p:ext>
     </p:extLst>
   </p:cSld>
@@ -5379,7 +5379,7 @@
       </p:grpSpPr>
       <p:sp>
         <p:nvSpPr>
-          <p:cNvPr id="2" name="Title 1"/>
+          <p:cNvPr id="2" name="Заголовок 1"/>
           <p:cNvSpPr>
             <a:spLocks noGrp="1"/>
           </p:cNvSpPr>
@@ -5405,15 +5405,15 @@
               <a:rPr lang="ru-RU" smtClean="0"/>
               <a:t>Образец заголовка</a:t>
             </a:r>
-            <a:endParaRPr lang="en-US" dirty="0"/>
+            <a:endParaRPr lang="ru-RU"/>
           </a:p>
         </p:txBody>
       </p:sp>
       <p:sp>
         <p:nvSpPr>
-          <p:cNvPr id="3" name="Picture Placeholder 2"/>
+          <p:cNvPr id="3" name="Рисунок 2"/>
           <p:cNvSpPr>
-            <a:spLocks noGrp="1" noChangeAspect="1"/>
+            <a:spLocks noGrp="1"/>
           </p:cNvSpPr>
           <p:nvPr>
             <p:ph type="pic" idx="1"/>
@@ -5426,7 +5426,7 @@
           </a:xfrm>
         </p:spPr>
         <p:txBody>
-          <a:bodyPr anchor="t"/>
+          <a:bodyPr/>
           <a:lstStyle>
             <a:lvl1pPr marL="0" indent="0">
               <a:buNone/>
@@ -5466,17 +5466,13 @@
             </a:lvl9pPr>
           </a:lstStyle>
           <a:p>
-            <a:r>
-              <a:rPr lang="ru-RU" smtClean="0"/>
-              <a:t>Вставка рисунка</a:t>
-            </a:r>
-            <a:endParaRPr lang="en-US" dirty="0"/>
+            <a:endParaRPr lang="ru-RU"/>
           </a:p>
         </p:txBody>
       </p:sp>
       <p:sp>
         <p:nvSpPr>
-          <p:cNvPr id="4" name="Text Placeholder 3"/>
+          <p:cNvPr id="4" name="Текст 3"/>
           <p:cNvSpPr>
             <a:spLocks noGrp="1"/>
           </p:cNvSpPr>
@@ -5541,7 +5537,7 @@
       </p:sp>
       <p:sp>
         <p:nvSpPr>
-          <p:cNvPr id="5" name="Date Placeholder 4"/>
+          <p:cNvPr id="5" name="Дата 4"/>
           <p:cNvSpPr>
             <a:spLocks noGrp="1"/>
           </p:cNvSpPr>
@@ -5556,7 +5552,7 @@
           <a:p>
             <a:fld id="{3D39AE6E-ADE3-4A7F-92FC-ED79DED4FC44}" type="datetimeFigureOut">
               <a:rPr lang="ru-RU" smtClean="0"/>
-              <a:t>28.05.2020</a:t>
+              <a:t>02.06.2020</a:t>
             </a:fld>
             <a:endParaRPr lang="ru-RU"/>
           </a:p>
@@ -5564,7 +5560,7 @@
       </p:sp>
       <p:sp>
         <p:nvSpPr>
-          <p:cNvPr id="6" name="Footer Placeholder 5"/>
+          <p:cNvPr id="6" name="Нижний колонтитул 5"/>
           <p:cNvSpPr>
             <a:spLocks noGrp="1"/>
           </p:cNvSpPr>
@@ -5583,7 +5579,7 @@
       </p:sp>
       <p:sp>
         <p:nvSpPr>
-          <p:cNvPr id="7" name="Slide Number Placeholder 6"/>
+          <p:cNvPr id="7" name="Номер слайда 6"/>
           <p:cNvSpPr>
             <a:spLocks noGrp="1"/>
           </p:cNvSpPr>
@@ -5607,7 +5603,7 @@
     </p:spTree>
     <p:extLst>
       <p:ext uri="{BB962C8B-B14F-4D97-AF65-F5344CB8AC3E}">
-        <p14:creationId xmlns:p14="http://schemas.microsoft.com/office/powerpoint/2010/main" val="3709906413"/>
+        <p14:creationId xmlns:p14="http://schemas.microsoft.com/office/powerpoint/2010/main" val="615163625"/>
       </p:ext>
     </p:extLst>
   </p:cSld>
@@ -5641,7 +5637,7 @@
       </p:grpSpPr>
       <p:sp>
         <p:nvSpPr>
-          <p:cNvPr id="2" name="Title Placeholder 1"/>
+          <p:cNvPr id="2" name="Заголовок 1"/>
           <p:cNvSpPr>
             <a:spLocks noGrp="1"/>
           </p:cNvSpPr>
@@ -5668,13 +5664,13 @@
               <a:rPr lang="ru-RU" smtClean="0"/>
               <a:t>Образец заголовка</a:t>
             </a:r>
-            <a:endParaRPr lang="en-US" dirty="0"/>
+            <a:endParaRPr lang="ru-RU"/>
           </a:p>
         </p:txBody>
       </p:sp>
       <p:sp>
         <p:nvSpPr>
-          <p:cNvPr id="3" name="Text Placeholder 2"/>
+          <p:cNvPr id="3" name="Текст 2"/>
           <p:cNvSpPr>
             <a:spLocks noGrp="1"/>
           </p:cNvSpPr>
@@ -5730,13 +5726,13 @@
               <a:rPr lang="ru-RU" smtClean="0"/>
               <a:t>Пятый уровень</a:t>
             </a:r>
-            <a:endParaRPr lang="en-US" dirty="0"/>
+            <a:endParaRPr lang="ru-RU"/>
           </a:p>
         </p:txBody>
       </p:sp>
       <p:sp>
         <p:nvSpPr>
-          <p:cNvPr id="4" name="Date Placeholder 3"/>
+          <p:cNvPr id="4" name="Дата 3"/>
           <p:cNvSpPr>
             <a:spLocks noGrp="1"/>
           </p:cNvSpPr>
@@ -5769,7 +5765,7 @@
           <a:p>
             <a:fld id="{3D39AE6E-ADE3-4A7F-92FC-ED79DED4FC44}" type="datetimeFigureOut">
               <a:rPr lang="ru-RU" smtClean="0"/>
-              <a:t>28.05.2020</a:t>
+              <a:t>02.06.2020</a:t>
             </a:fld>
             <a:endParaRPr lang="ru-RU"/>
           </a:p>
@@ -5777,7 +5773,7 @@
       </p:sp>
       <p:sp>
         <p:nvSpPr>
-          <p:cNvPr id="5" name="Footer Placeholder 4"/>
+          <p:cNvPr id="5" name="Нижний колонтитул 4"/>
           <p:cNvSpPr>
             <a:spLocks noGrp="1"/>
           </p:cNvSpPr>
@@ -5814,7 +5810,7 @@
       </p:sp>
       <p:sp>
         <p:nvSpPr>
-          <p:cNvPr id="6" name="Slide Number Placeholder 5"/>
+          <p:cNvPr id="6" name="Номер слайда 5"/>
           <p:cNvSpPr>
             <a:spLocks noGrp="1"/>
           </p:cNvSpPr>
@@ -5856,23 +5852,23 @@
     </p:spTree>
     <p:extLst>
       <p:ext uri="{BB962C8B-B14F-4D97-AF65-F5344CB8AC3E}">
-        <p14:creationId xmlns:p14="http://schemas.microsoft.com/office/powerpoint/2010/main" val="552138037"/>
+        <p14:creationId xmlns:p14="http://schemas.microsoft.com/office/powerpoint/2010/main" val="803497587"/>
       </p:ext>
     </p:extLst>
   </p:cSld>
-  <p:clrMap bg1="dk1" tx1="lt1" bg2="dk2" tx2="lt2" accent1="accent1" accent2="accent2" accent3="accent3" accent4="accent4" accent5="accent5" accent6="accent6" hlink="hlink" folHlink="folHlink"/>
+  <p:clrMap bg1="lt1" tx1="dk1" bg2="lt2" tx2="dk2" accent1="accent1" accent2="accent2" accent3="accent3" accent4="accent4" accent5="accent5" accent6="accent6" hlink="hlink" folHlink="folHlink"/>
   <p:sldLayoutIdLst>
-    <p:sldLayoutId id="2147483661" r:id="rId1"/>
-    <p:sldLayoutId id="2147483662" r:id="rId2"/>
-    <p:sldLayoutId id="2147483663" r:id="rId3"/>
-    <p:sldLayoutId id="2147483664" r:id="rId4"/>
-    <p:sldLayoutId id="2147483665" r:id="rId5"/>
-    <p:sldLayoutId id="2147483666" r:id="rId6"/>
-    <p:sldLayoutId id="2147483667" r:id="rId7"/>
-    <p:sldLayoutId id="2147483668" r:id="rId8"/>
-    <p:sldLayoutId id="2147483669" r:id="rId9"/>
-    <p:sldLayoutId id="2147483670" r:id="rId10"/>
-    <p:sldLayoutId id="2147483671" r:id="rId11"/>
+    <p:sldLayoutId id="2147483673" r:id="rId1"/>
+    <p:sldLayoutId id="2147483674" r:id="rId2"/>
+    <p:sldLayoutId id="2147483675" r:id="rId3"/>
+    <p:sldLayoutId id="2147483676" r:id="rId4"/>
+    <p:sldLayoutId id="2147483677" r:id="rId5"/>
+    <p:sldLayoutId id="2147483678" r:id="rId6"/>
+    <p:sldLayoutId id="2147483679" r:id="rId7"/>
+    <p:sldLayoutId id="2147483680" r:id="rId8"/>
+    <p:sldLayoutId id="2147483681" r:id="rId9"/>
+    <p:sldLayoutId id="2147483682" r:id="rId10"/>
+    <p:sldLayoutId id="2147483683" r:id="rId11"/>
   </p:sldLayoutIdLst>
   <p:txStyles>
     <p:titleStyle>
@@ -6060,7 +6056,7 @@
     </p:bodyStyle>
     <p:otherStyle>
       <a:defPPr>
-        <a:defRPr lang="en-US"/>
+        <a:defRPr lang="ru-RU"/>
       </a:defPPr>
       <a:lvl1pPr marL="0" algn="l" defTabSz="914400" rtl="0" eaLnBrk="1" latinLnBrk="0" hangingPunct="1">
         <a:defRPr sz="1800" kern="1200">
@@ -6262,18 +6258,12 @@
             <a:pPr algn="l"/>
             <a:r>
               <a:rPr lang="ru-RU" sz="2000" dirty="0" smtClean="0">
-                <a:solidFill>
-                  <a:srgbClr val="FF0000"/>
-                </a:solidFill>
                 <a:latin typeface="Times New Roman" panose="02020603050405020304" pitchFamily="18" charset="0"/>
                 <a:cs typeface="Times New Roman" panose="02020603050405020304" pitchFamily="18" charset="0"/>
               </a:rPr>
               <a:t>20.06.2020</a:t>
             </a:r>
             <a:endParaRPr lang="ru-RU" sz="2000" dirty="0">
-              <a:solidFill>
-                <a:srgbClr val="FF0000"/>
-              </a:solidFill>
               <a:latin typeface="Times New Roman" panose="02020603050405020304" pitchFamily="18" charset="0"/>
               <a:cs typeface="Times New Roman" panose="02020603050405020304" pitchFamily="18" charset="0"/>
             </a:endParaRPr>
@@ -6493,7 +6483,7 @@
         </p:nvSpPr>
         <p:spPr>
           <a:xfrm>
-            <a:off x="3116780" y="241920"/>
+            <a:off x="1030805" y="241920"/>
             <a:ext cx="6406114" cy="769441"/>
           </a:xfrm>
           <a:prstGeom prst="rect">
@@ -6518,54 +6508,6 @@
               <a:latin typeface="Times New Roman" panose="02020603050405020304" pitchFamily="18" charset="0"/>
               <a:cs typeface="Times New Roman" panose="02020603050405020304" pitchFamily="18" charset="0"/>
             </a:endParaRPr>
-          </a:p>
-        </p:txBody>
-      </p:sp>
-      <p:sp>
-        <p:nvSpPr>
-          <p:cNvPr id="4" name="Прямоугольник 3"/>
-          <p:cNvSpPr/>
-          <p:nvPr/>
-        </p:nvSpPr>
-        <p:spPr>
-          <a:xfrm>
-            <a:off x="2409825" y="1409700"/>
-            <a:ext cx="7820025" cy="4819650"/>
-          </a:xfrm>
-          <a:prstGeom prst="rect">
-            <a:avLst/>
-          </a:prstGeom>
-          <a:solidFill>
-            <a:schemeClr val="tx1"/>
-          </a:solidFill>
-          <a:ln>
-            <a:solidFill>
-              <a:schemeClr val="tx1"/>
-            </a:solidFill>
-          </a:ln>
-        </p:spPr>
-        <p:style>
-          <a:lnRef idx="2">
-            <a:schemeClr val="accent1">
-              <a:shade val="50000"/>
-            </a:schemeClr>
-          </a:lnRef>
-          <a:fillRef idx="1">
-            <a:schemeClr val="accent1"/>
-          </a:fillRef>
-          <a:effectRef idx="0">
-            <a:schemeClr val="accent1"/>
-          </a:effectRef>
-          <a:fontRef idx="minor">
-            <a:schemeClr val="lt1"/>
-          </a:fontRef>
-        </p:style>
-        <p:txBody>
-          <a:bodyPr rtlCol="0" anchor="ctr"/>
-          <a:lstStyle/>
-          <a:p>
-            <a:pPr algn="ctr"/>
-            <a:endParaRPr lang="ru-RU"/>
           </a:p>
         </p:txBody>
       </p:sp>
@@ -6584,7 +6526,7 @@
         </p:blipFill>
         <p:spPr>
           <a:xfrm>
-            <a:off x="3297928" y="1827501"/>
+            <a:off x="2859778" y="1837026"/>
             <a:ext cx="2419350" cy="4142595"/>
           </a:xfrm>
           <a:prstGeom prst="rect">
@@ -6608,8 +6550,8 @@
         </p:blipFill>
         <p:spPr>
           <a:xfrm>
-            <a:off x="6772548" y="1604982"/>
-            <a:ext cx="2402032" cy="4365114"/>
+            <a:off x="7753622" y="241920"/>
+            <a:ext cx="3514452" cy="6386669"/>
           </a:xfrm>
           <a:prstGeom prst="rect">
             <a:avLst/>
@@ -6858,7 +6800,7 @@
       </p:sp>
       <p:pic>
         <p:nvPicPr>
-          <p:cNvPr id="5" name="wy6906abQ9I"/>
+          <p:cNvPr id="4" name="-OXFVopqrJk"/>
           <p:cNvPicPr>
             <a:picLocks noRot="1" noChangeAspect="1"/>
           </p:cNvPicPr>
@@ -6874,55 +6816,12 @@
         </p:blipFill>
         <p:spPr>
           <a:xfrm>
-            <a:off x="4572000" y="2571750"/>
-            <a:ext cx="3048000" cy="1714500"/>
+            <a:off x="1566441" y="1222177"/>
+            <a:ext cx="9572625" cy="5384601"/>
           </a:xfrm>
           <a:prstGeom prst="rect">
             <a:avLst/>
           </a:prstGeom>
-        </p:spPr>
-      </p:pic>
-      <p:pic>
-        <p:nvPicPr>
-          <p:cNvPr id="6" name="wy6906abQ9I"/>
-          <p:cNvPicPr>
-            <a:picLocks noRot="1" noChangeAspect="1"/>
-          </p:cNvPicPr>
-          <p:nvPr>
-            <a:videoFile r:link="rId1"/>
-          </p:nvPr>
-        </p:nvPicPr>
-        <p:blipFill>
-          <a:blip r:embed="rId3"/>
-          <a:stretch>
-            <a:fillRect/>
-          </a:stretch>
-        </p:blipFill>
-        <p:spPr>
-          <a:xfrm>
-            <a:off x="2202024" y="1388330"/>
-            <a:ext cx="8301459" cy="4669570"/>
-          </a:xfrm>
-          <a:prstGeom prst="rect">
-            <a:avLst/>
-          </a:prstGeom>
-          <a:ln w="63500" cap="sq">
-            <a:solidFill>
-              <a:srgbClr val="FFFFFF"/>
-            </a:solidFill>
-            <a:prstDash val="solid"/>
-            <a:miter lim="800000"/>
-          </a:ln>
-          <a:effectLst/>
-          <a:scene3d>
-            <a:camera prst="orthographicFront"/>
-            <a:lightRig rig="soft" dir="t"/>
-          </a:scene3d>
-          <a:sp3d contourW="6350">
-            <a:contourClr>
-              <a:srgbClr val="000000"/>
-            </a:contourClr>
-          </a:sp3d>
         </p:spPr>
       </p:pic>
     </p:spTree>
@@ -6938,138 +6837,7 @@
   <p:timing>
     <p:tnLst>
       <p:par>
-        <p:cTn id="1" dur="indefinite" restart="never" nodeType="tmRoot">
-          <p:childTnLst>
-            <p:seq concurrent="1" nextAc="seek">
-              <p:cTn id="2" dur="indefinite" nodeType="mainSeq">
-                <p:childTnLst>
-                  <p:par>
-                    <p:cTn id="3" fill="hold">
-                      <p:stCondLst>
-                        <p:cond delay="indefinite"/>
-                        <p:cond evt="onBegin" delay="0">
-                          <p:tn val="2"/>
-                        </p:cond>
-                      </p:stCondLst>
-                      <p:childTnLst>
-                        <p:par>
-                          <p:cTn id="4" fill="hold">
-                            <p:stCondLst>
-                              <p:cond delay="0"/>
-                            </p:stCondLst>
-                            <p:childTnLst>
-                              <p:par>
-                                <p:cTn id="5" presetID="1" presetClass="mediacall" presetSubtype="0" fill="hold" nodeType="afterEffect">
-                                  <p:stCondLst>
-                                    <p:cond delay="0"/>
-                                  </p:stCondLst>
-                                  <p:childTnLst>
-                                    <p:cmd type="call" cmd="playFrom(0.0)">
-                                      <p:cBhvr>
-                                        <p:cTn id="6" dur="1" fill="hold"/>
-                                        <p:tgtEl>
-                                          <p:spTgt spid="6"/>
-                                        </p:tgtEl>
-                                      </p:cBhvr>
-                                    </p:cmd>
-                                  </p:childTnLst>
-                                </p:cTn>
-                              </p:par>
-                            </p:childTnLst>
-                          </p:cTn>
-                        </p:par>
-                      </p:childTnLst>
-                    </p:cTn>
-                  </p:par>
-                </p:childTnLst>
-              </p:cTn>
-              <p:prevCondLst>
-                <p:cond evt="onPrev" delay="0">
-                  <p:tgtEl>
-                    <p:sldTgt/>
-                  </p:tgtEl>
-                </p:cond>
-              </p:prevCondLst>
-              <p:nextCondLst>
-                <p:cond evt="onNext" delay="0">
-                  <p:tgtEl>
-                    <p:sldTgt/>
-                  </p:tgtEl>
-                </p:cond>
-              </p:nextCondLst>
-            </p:seq>
-            <p:video>
-              <p:cMediaNode>
-                <p:cTn id="7" fill="hold" display="0">
-                  <p:stCondLst>
-                    <p:cond delay="indefinite"/>
-                  </p:stCondLst>
-                </p:cTn>
-                <p:tgtEl>
-                  <p:spTgt spid="6"/>
-                </p:tgtEl>
-              </p:cMediaNode>
-            </p:video>
-            <p:seq concurrent="1" nextAc="seek">
-              <p:cTn id="8" restart="whenNotActive" fill="hold" evtFilter="cancelBubble" nodeType="interactiveSeq">
-                <p:stCondLst>
-                  <p:cond evt="onClick" delay="0">
-                    <p:tgtEl>
-                      <p:spTgt spid="6"/>
-                    </p:tgtEl>
-                  </p:cond>
-                </p:stCondLst>
-                <p:endSync evt="end" delay="0">
-                  <p:rtn val="all"/>
-                </p:endSync>
-                <p:childTnLst>
-                  <p:par>
-                    <p:cTn id="9" fill="hold">
-                      <p:stCondLst>
-                        <p:cond delay="0"/>
-                      </p:stCondLst>
-                      <p:childTnLst>
-                        <p:par>
-                          <p:cTn id="10" fill="hold">
-                            <p:stCondLst>
-                              <p:cond delay="0"/>
-                            </p:stCondLst>
-                            <p:childTnLst>
-                              <p:par>
-                                <p:cTn id="11" presetID="2" presetClass="mediacall" presetSubtype="0" fill="hold" nodeType="clickEffect">
-                                  <p:stCondLst>
-                                    <p:cond delay="0"/>
-                                  </p:stCondLst>
-                                  <p:childTnLst>
-                                    <p:cmd type="call" cmd="togglePause">
-                                      <p:cBhvr>
-                                        <p:cTn id="12" dur="1" fill="hold"/>
-                                        <p:tgtEl>
-                                          <p:spTgt spid="6"/>
-                                        </p:tgtEl>
-                                      </p:cBhvr>
-                                    </p:cmd>
-                                  </p:childTnLst>
-                                </p:cTn>
-                              </p:par>
-                            </p:childTnLst>
-                          </p:cTn>
-                        </p:par>
-                      </p:childTnLst>
-                    </p:cTn>
-                  </p:par>
-                </p:childTnLst>
-              </p:cTn>
-              <p:nextCondLst>
-                <p:cond evt="onClick" delay="0">
-                  <p:tgtEl>
-                    <p:spTgt spid="6"/>
-                  </p:tgtEl>
-                </p:cond>
-              </p:nextCondLst>
-            </p:seq>
-          </p:childTnLst>
-        </p:cTn>
+        <p:cTn id="1" dur="indefinite" restart="never" nodeType="tmRoot"/>
       </p:par>
     </p:tnLst>
   </p:timing>
@@ -7333,54 +7101,6 @@
           <a:chExt cx="0" cy="0"/>
         </a:xfrm>
       </p:grpSpPr>
-      <p:sp>
-        <p:nvSpPr>
-          <p:cNvPr id="13" name="Прямоугольник 12"/>
-          <p:cNvSpPr/>
-          <p:nvPr/>
-        </p:nvSpPr>
-        <p:spPr>
-          <a:xfrm>
-            <a:off x="1181099" y="1150837"/>
-            <a:ext cx="5143501" cy="1763813"/>
-          </a:xfrm>
-          <a:prstGeom prst="rect">
-            <a:avLst/>
-          </a:prstGeom>
-          <a:solidFill>
-            <a:schemeClr val="tx1"/>
-          </a:solidFill>
-          <a:ln>
-            <a:solidFill>
-              <a:schemeClr val="tx1"/>
-            </a:solidFill>
-          </a:ln>
-        </p:spPr>
-        <p:style>
-          <a:lnRef idx="2">
-            <a:schemeClr val="accent1">
-              <a:shade val="50000"/>
-            </a:schemeClr>
-          </a:lnRef>
-          <a:fillRef idx="1">
-            <a:schemeClr val="accent1"/>
-          </a:fillRef>
-          <a:effectRef idx="0">
-            <a:schemeClr val="accent1"/>
-          </a:effectRef>
-          <a:fontRef idx="minor">
-            <a:schemeClr val="lt1"/>
-          </a:fontRef>
-        </p:style>
-        <p:txBody>
-          <a:bodyPr rtlCol="0" anchor="ctr"/>
-          <a:lstStyle/>
-          <a:p>
-            <a:pPr algn="ctr"/>
-            <a:endParaRPr lang="ru-RU"/>
-          </a:p>
-        </p:txBody>
-      </p:sp>
       <p:cxnSp>
         <p:nvCxnSpPr>
           <p:cNvPr id="2" name="Прямая соединительная линия 1"/>
@@ -7639,7 +7359,7 @@
           <p:nvPr>
             <p:extLst>
               <p:ext uri="{D42A27DB-BD31-4B8C-83A1-F6EECF244321}">
-                <p14:modId xmlns:p14="http://schemas.microsoft.com/office/powerpoint/2010/main" val="106971472"/>
+                <p14:modId xmlns:p14="http://schemas.microsoft.com/office/powerpoint/2010/main" val="2250582478"/>
               </p:ext>
             </p:extLst>
           </p:nvPr>
@@ -7943,54 +7663,6 @@
           <a:chExt cx="0" cy="0"/>
         </a:xfrm>
       </p:grpSpPr>
-      <p:sp>
-        <p:nvSpPr>
-          <p:cNvPr id="12" name="Прямоугольник 11"/>
-          <p:cNvSpPr/>
-          <p:nvPr/>
-        </p:nvSpPr>
-        <p:spPr>
-          <a:xfrm>
-            <a:off x="3345133" y="874216"/>
-            <a:ext cx="5379767" cy="5917109"/>
-          </a:xfrm>
-          <a:prstGeom prst="rect">
-            <a:avLst/>
-          </a:prstGeom>
-          <a:solidFill>
-            <a:schemeClr val="tx1"/>
-          </a:solidFill>
-          <a:ln>
-            <a:solidFill>
-              <a:schemeClr val="tx1"/>
-            </a:solidFill>
-          </a:ln>
-        </p:spPr>
-        <p:style>
-          <a:lnRef idx="2">
-            <a:schemeClr val="accent1">
-              <a:shade val="50000"/>
-            </a:schemeClr>
-          </a:lnRef>
-          <a:fillRef idx="1">
-            <a:schemeClr val="accent1"/>
-          </a:fillRef>
-          <a:effectRef idx="0">
-            <a:schemeClr val="accent1"/>
-          </a:effectRef>
-          <a:fontRef idx="minor">
-            <a:schemeClr val="lt1"/>
-          </a:fontRef>
-        </p:style>
-        <p:txBody>
-          <a:bodyPr rtlCol="0" anchor="ctr"/>
-          <a:lstStyle/>
-          <a:p>
-            <a:pPr algn="ctr"/>
-            <a:endParaRPr lang="ru-RU"/>
-          </a:p>
-        </p:txBody>
-      </p:sp>
       <p:cxnSp>
         <p:nvCxnSpPr>
           <p:cNvPr id="2" name="Прямая соединительная линия 1"/>
@@ -8034,7 +7706,7 @@
         </p:nvSpPr>
         <p:spPr>
           <a:xfrm>
-            <a:off x="3345133" y="104775"/>
+            <a:off x="3899721" y="95250"/>
             <a:ext cx="5451685" cy="769441"/>
           </a:xfrm>
           <a:prstGeom prst="rect">
@@ -8064,7 +7736,7 @@
       </p:sp>
       <p:pic>
         <p:nvPicPr>
-          <p:cNvPr id="3" name="Рисунок 2"/>
+          <p:cNvPr id="4" name="Рисунок 3"/>
           <p:cNvPicPr>
             <a:picLocks noChangeAspect="1"/>
           </p:cNvPicPr>
@@ -8084,8 +7756,8 @@
         </p:blipFill>
         <p:spPr>
           <a:xfrm>
-            <a:off x="3611832" y="1054773"/>
-            <a:ext cx="4846367" cy="5623859"/>
+            <a:off x="2954605" y="1071562"/>
+            <a:ext cx="7341919" cy="5591238"/>
           </a:xfrm>
           <a:prstGeom prst="rect">
             <a:avLst/>
@@ -8129,54 +7801,6 @@
           <a:chExt cx="0" cy="0"/>
         </a:xfrm>
       </p:grpSpPr>
-      <p:sp>
-        <p:nvSpPr>
-          <p:cNvPr id="5" name="Прямоугольник 4"/>
-          <p:cNvSpPr/>
-          <p:nvPr/>
-        </p:nvSpPr>
-        <p:spPr>
-          <a:xfrm>
-            <a:off x="2247900" y="1143000"/>
-            <a:ext cx="7820025" cy="5029200"/>
-          </a:xfrm>
-          <a:prstGeom prst="rect">
-            <a:avLst/>
-          </a:prstGeom>
-          <a:solidFill>
-            <a:schemeClr val="tx1"/>
-          </a:solidFill>
-          <a:ln>
-            <a:solidFill>
-              <a:schemeClr val="tx1"/>
-            </a:solidFill>
-          </a:ln>
-        </p:spPr>
-        <p:style>
-          <a:lnRef idx="2">
-            <a:schemeClr val="accent1">
-              <a:shade val="50000"/>
-            </a:schemeClr>
-          </a:lnRef>
-          <a:fillRef idx="1">
-            <a:schemeClr val="accent1"/>
-          </a:fillRef>
-          <a:effectRef idx="0">
-            <a:schemeClr val="accent1"/>
-          </a:effectRef>
-          <a:fontRef idx="minor">
-            <a:schemeClr val="lt1"/>
-          </a:fontRef>
-        </p:style>
-        <p:txBody>
-          <a:bodyPr rtlCol="0" anchor="ctr"/>
-          <a:lstStyle/>
-          <a:p>
-            <a:pPr algn="ctr"/>
-            <a:endParaRPr lang="ru-RU"/>
-          </a:p>
-        </p:txBody>
-      </p:sp>
       <p:cxnSp>
         <p:nvCxnSpPr>
           <p:cNvPr id="2" name="Прямая соединительная линия 1"/>
@@ -8220,7 +7844,7 @@
         </p:nvSpPr>
         <p:spPr>
           <a:xfrm>
-            <a:off x="3248025" y="123825"/>
+            <a:off x="1019175" y="195816"/>
             <a:ext cx="6248400" cy="769441"/>
           </a:xfrm>
           <a:prstGeom prst="rect">
@@ -8263,8 +7887,8 @@
         </p:blipFill>
         <p:spPr>
           <a:xfrm>
-            <a:off x="2561649" y="1320742"/>
-            <a:ext cx="2140334" cy="4708378"/>
+            <a:off x="1790123" y="1181100"/>
+            <a:ext cx="2512297" cy="5526635"/>
           </a:xfrm>
           <a:prstGeom prst="rect">
             <a:avLst/>
@@ -8287,8 +7911,8 @@
         </p:blipFill>
         <p:spPr>
           <a:xfrm>
-            <a:off x="5063932" y="1320742"/>
-            <a:ext cx="4746818" cy="4673715"/>
+            <a:off x="5378441" y="233384"/>
+            <a:ext cx="6575619" cy="6474351"/>
           </a:xfrm>
           <a:prstGeom prst="rect">
             <a:avLst/>
@@ -8332,54 +7956,6 @@
           <a:chExt cx="0" cy="0"/>
         </a:xfrm>
       </p:grpSpPr>
-      <p:sp>
-        <p:nvSpPr>
-          <p:cNvPr id="8" name="Прямоугольник 7"/>
-          <p:cNvSpPr/>
-          <p:nvPr/>
-        </p:nvSpPr>
-        <p:spPr>
-          <a:xfrm>
-            <a:off x="2409825" y="1409700"/>
-            <a:ext cx="7820025" cy="4819650"/>
-          </a:xfrm>
-          <a:prstGeom prst="rect">
-            <a:avLst/>
-          </a:prstGeom>
-          <a:solidFill>
-            <a:schemeClr val="tx1"/>
-          </a:solidFill>
-          <a:ln>
-            <a:solidFill>
-              <a:schemeClr val="tx1"/>
-            </a:solidFill>
-          </a:ln>
-        </p:spPr>
-        <p:style>
-          <a:lnRef idx="2">
-            <a:schemeClr val="accent1">
-              <a:shade val="50000"/>
-            </a:schemeClr>
-          </a:lnRef>
-          <a:fillRef idx="1">
-            <a:schemeClr val="accent1"/>
-          </a:fillRef>
-          <a:effectRef idx="0">
-            <a:schemeClr val="accent1"/>
-          </a:effectRef>
-          <a:fontRef idx="minor">
-            <a:schemeClr val="lt1"/>
-          </a:fontRef>
-        </p:style>
-        <p:txBody>
-          <a:bodyPr rtlCol="0" anchor="ctr"/>
-          <a:lstStyle/>
-          <a:p>
-            <a:pPr algn="ctr"/>
-            <a:endParaRPr lang="ru-RU"/>
-          </a:p>
-        </p:txBody>
-      </p:sp>
       <p:cxnSp>
         <p:nvCxnSpPr>
           <p:cNvPr id="2" name="Прямая соединительная линия 1"/>
@@ -8423,7 +7999,7 @@
         </p:nvSpPr>
         <p:spPr>
           <a:xfrm>
-            <a:off x="3248024" y="123825"/>
+            <a:off x="1019174" y="190500"/>
             <a:ext cx="6734175" cy="769441"/>
           </a:xfrm>
           <a:prstGeom prst="rect">
@@ -8470,8 +8046,8 @@
         </p:blipFill>
         <p:spPr>
           <a:xfrm>
-            <a:off x="2581275" y="2204879"/>
-            <a:ext cx="3009900" cy="3438842"/>
+            <a:off x="2295524" y="1595487"/>
+            <a:ext cx="3609975" cy="4124434"/>
           </a:xfrm>
           <a:prstGeom prst="rect">
             <a:avLst/>
@@ -8494,8 +8070,8 @@
         </p:blipFill>
         <p:spPr>
           <a:xfrm>
-            <a:off x="5923043" y="2156307"/>
-            <a:ext cx="3497213" cy="3111018"/>
+            <a:off x="7037468" y="1485900"/>
+            <a:ext cx="4326859" cy="3849047"/>
           </a:xfrm>
           <a:prstGeom prst="rect">
             <a:avLst/>
@@ -8582,7 +8158,7 @@
         </p:nvSpPr>
         <p:spPr>
           <a:xfrm>
-            <a:off x="4895850" y="152400"/>
+            <a:off x="1228725" y="171450"/>
             <a:ext cx="3276600" cy="769441"/>
           </a:xfrm>
           <a:prstGeom prst="rect">
@@ -8617,54 +8193,6 @@
           </a:p>
         </p:txBody>
       </p:sp>
-      <p:sp>
-        <p:nvSpPr>
-          <p:cNvPr id="4" name="Прямоугольник 3"/>
-          <p:cNvSpPr/>
-          <p:nvPr/>
-        </p:nvSpPr>
-        <p:spPr>
-          <a:xfrm>
-            <a:off x="3371850" y="1266825"/>
-            <a:ext cx="6010275" cy="4819650"/>
-          </a:xfrm>
-          <a:prstGeom prst="rect">
-            <a:avLst/>
-          </a:prstGeom>
-          <a:solidFill>
-            <a:schemeClr val="tx1"/>
-          </a:solidFill>
-          <a:ln>
-            <a:solidFill>
-              <a:schemeClr val="tx1"/>
-            </a:solidFill>
-          </a:ln>
-        </p:spPr>
-        <p:style>
-          <a:lnRef idx="2">
-            <a:schemeClr val="accent1">
-              <a:shade val="50000"/>
-            </a:schemeClr>
-          </a:lnRef>
-          <a:fillRef idx="1">
-            <a:schemeClr val="accent1"/>
-          </a:fillRef>
-          <a:effectRef idx="0">
-            <a:schemeClr val="accent1"/>
-          </a:effectRef>
-          <a:fontRef idx="minor">
-            <a:schemeClr val="lt1"/>
-          </a:fontRef>
-        </p:style>
-        <p:txBody>
-          <a:bodyPr rtlCol="0" anchor="ctr"/>
-          <a:lstStyle/>
-          <a:p>
-            <a:pPr algn="ctr"/>
-            <a:endParaRPr lang="ru-RU"/>
-          </a:p>
-        </p:txBody>
-      </p:sp>
       <p:pic>
         <p:nvPicPr>
           <p:cNvPr id="5" name="Рисунок 4"/>
@@ -8680,8 +8208,8 @@
         </p:blipFill>
         <p:spPr>
           <a:xfrm>
-            <a:off x="3747814" y="1593162"/>
-            <a:ext cx="2181225" cy="4224125"/>
+            <a:off x="2347639" y="1500995"/>
+            <a:ext cx="2557736" cy="4953270"/>
           </a:xfrm>
           <a:prstGeom prst="rect">
             <a:avLst/>
@@ -8704,8 +8232,8 @@
         </p:blipFill>
         <p:spPr>
           <a:xfrm>
-            <a:off x="6534150" y="1423598"/>
-            <a:ext cx="2402032" cy="4365114"/>
+            <a:off x="6905624" y="94428"/>
+            <a:ext cx="3676651" cy="6681426"/>
           </a:xfrm>
           <a:prstGeom prst="rect">
             <a:avLst/>
@@ -8792,7 +8320,7 @@
         </p:nvSpPr>
         <p:spPr>
           <a:xfrm>
-            <a:off x="2836068" y="80547"/>
+            <a:off x="902493" y="137697"/>
             <a:ext cx="7372350" cy="769441"/>
           </a:xfrm>
           <a:prstGeom prst="rect">
@@ -8827,54 +8355,6 @@
           </a:p>
         </p:txBody>
       </p:sp>
-      <p:sp>
-        <p:nvSpPr>
-          <p:cNvPr id="4" name="Прямоугольник 3"/>
-          <p:cNvSpPr/>
-          <p:nvPr/>
-        </p:nvSpPr>
-        <p:spPr>
-          <a:xfrm>
-            <a:off x="2757487" y="969051"/>
-            <a:ext cx="7529513" cy="5260299"/>
-          </a:xfrm>
-          <a:prstGeom prst="rect">
-            <a:avLst/>
-          </a:prstGeom>
-          <a:solidFill>
-            <a:schemeClr val="tx1"/>
-          </a:solidFill>
-          <a:ln>
-            <a:solidFill>
-              <a:schemeClr val="tx1"/>
-            </a:solidFill>
-          </a:ln>
-        </p:spPr>
-        <p:style>
-          <a:lnRef idx="2">
-            <a:schemeClr val="accent1">
-              <a:shade val="50000"/>
-            </a:schemeClr>
-          </a:lnRef>
-          <a:fillRef idx="1">
-            <a:schemeClr val="accent1"/>
-          </a:fillRef>
-          <a:effectRef idx="0">
-            <a:schemeClr val="accent1"/>
-          </a:effectRef>
-          <a:fontRef idx="minor">
-            <a:schemeClr val="lt1"/>
-          </a:fontRef>
-        </p:style>
-        <p:txBody>
-          <a:bodyPr rtlCol="0" anchor="ctr"/>
-          <a:lstStyle/>
-          <a:p>
-            <a:pPr algn="ctr"/>
-            <a:endParaRPr lang="ru-RU"/>
-          </a:p>
-        </p:txBody>
-      </p:sp>
       <p:pic>
         <p:nvPicPr>
           <p:cNvPr id="5" name="Рисунок 4"/>
@@ -8891,8 +8371,8 @@
         </p:blipFill>
         <p:spPr>
           <a:xfrm>
-            <a:off x="6081712" y="1092876"/>
-            <a:ext cx="3816427" cy="4919898"/>
+            <a:off x="5672138" y="856502"/>
+            <a:ext cx="4595812" cy="5924633"/>
           </a:xfrm>
           <a:prstGeom prst="rect">
             <a:avLst/>
@@ -8914,8 +8394,8 @@
         </p:blipFill>
         <p:spPr>
           <a:xfrm>
-            <a:off x="3421738" y="1088113"/>
-            <a:ext cx="1659576" cy="5022174"/>
+            <a:off x="1499933" y="831885"/>
+            <a:ext cx="1940815" cy="5873254"/>
           </a:xfrm>
           <a:prstGeom prst="rect">
             <a:avLst/>
@@ -8943,9 +8423,9 @@
 </file>
 
 <file path=ppt/theme/theme1.xml><?xml version="1.0" encoding="utf-8"?>
-<a:theme xmlns:a="http://schemas.openxmlformats.org/drawingml/2006/main" name="Office Theme">
+<a:theme xmlns:a="http://schemas.openxmlformats.org/drawingml/2006/main" name="Тема Office">
   <a:themeElements>
-    <a:clrScheme name="Тема Office">
+    <a:clrScheme name="Стандартная">
       <a:dk1>
         <a:sysClr val="windowText" lastClr="000000"/>
       </a:dk1>
@@ -8983,7 +8463,7 @@
         <a:srgbClr val="954F72"/>
       </a:folHlink>
     </a:clrScheme>
-    <a:fontScheme name="Тема Office">
+    <a:fontScheme name="Стандартная">
       <a:majorFont>
         <a:latin typeface="Calibri Light" panose="020F0302020204030204"/>
         <a:ea typeface=""/>
@@ -9055,7 +8535,7 @@
         <a:font script="Geor" typeface="Sylfaen"/>
       </a:minorFont>
     </a:fontScheme>
-    <a:fmtScheme name="Тема Office">
+    <a:fmtScheme name="Стандартная">
       <a:fillStyleLst>
         <a:solidFill>
           <a:schemeClr val="phClr"/>
@@ -9197,7 +8677,7 @@
   <a:extraClrSchemeLst/>
   <a:extLst>
     <a:ext uri="{05A4C25C-085E-4340-85A3-A5531E510DB2}">
-      <thm15:themeFamily xmlns:thm15="http://schemas.microsoft.com/office/thememl/2012/main" name="Office Theme" id="{62F939B6-93AF-4DB8-9C6B-D6C7DFDC589F}" vid="{4F46216B-77A9-411A-B9D3-5023FCB70208}"/>
+      <thm15:themeFamily xmlns:thm15="http://schemas.microsoft.com/office/thememl/2012/main" name="Office Theme" id="{62F939B6-93AF-4DB8-9C6B-D6C7DFDC589F}" vid="{4A3C46E8-61CC-4603-A589-7422A47A8E4A}"/>
     </a:ext>
   </a:extLst>
 </a:theme>
